--- a/figures/Presentazione.pptx
+++ b/figures/Presentazione.pptx
@@ -111,6 +111,11 @@
       </a:defRPr>
     </a:lvl9pPr>
   </p:defaultTextStyle>
+  <p:extLst>
+    <p:ext uri="{EFAFB233-063F-42B5-8137-9DF3F51BA10A}">
+      <p15:sldGuideLst xmlns:p15="http://schemas.microsoft.com/office/powerpoint/2012/main"/>
+    </p:ext>
+  </p:extLst>
 </p:presentation>
 </file>
 
@@ -2784,10 +2789,10 @@
       </p:grpSpPr>
       <p:pic>
         <p:nvPicPr>
-          <p:cNvPr id="5" name="Immagine 4">
+          <p:cNvPr id="3" name="Immagine 2">
             <a:extLst>
               <a:ext uri="{FF2B5EF4-FFF2-40B4-BE49-F238E27FC236}">
-                <a16:creationId xmlns:a16="http://schemas.microsoft.com/office/drawing/2014/main" id="{25551CF2-5FFD-8A47-858C-42C3BF75E6D8}"/>
+                <a16:creationId xmlns:a16="http://schemas.microsoft.com/office/drawing/2014/main" id="{985273B2-661F-AB4C-BAD5-27E668B23977}"/>
               </a:ext>
             </a:extLst>
           </p:cNvPr>
@@ -3084,10 +3089,10 @@
       </p:grpSpPr>
       <p:pic>
         <p:nvPicPr>
-          <p:cNvPr id="3" name="Immagine 2">
+          <p:cNvPr id="4" name="Immagine 3">
             <a:extLst>
               <a:ext uri="{FF2B5EF4-FFF2-40B4-BE49-F238E27FC236}">
-                <a16:creationId xmlns:a16="http://schemas.microsoft.com/office/drawing/2014/main" id="{339393E9-1F77-5C44-A5D3-6AAB4974E707}"/>
+                <a16:creationId xmlns:a16="http://schemas.microsoft.com/office/drawing/2014/main" id="{4F8B4C52-27E4-5E4D-BF46-3685F5E3A831}"/>
               </a:ext>
             </a:extLst>
           </p:cNvPr>
@@ -3144,10 +3149,10 @@
       </p:grpSpPr>
       <p:pic>
         <p:nvPicPr>
-          <p:cNvPr id="3" name="Immagine 2">
+          <p:cNvPr id="4" name="Immagine 3">
             <a:extLst>
               <a:ext uri="{FF2B5EF4-FFF2-40B4-BE49-F238E27FC236}">
-                <a16:creationId xmlns:a16="http://schemas.microsoft.com/office/drawing/2014/main" id="{39EB96AB-33A5-8548-ACF9-96F9ACF8DD72}"/>
+                <a16:creationId xmlns:a16="http://schemas.microsoft.com/office/drawing/2014/main" id="{CE619E21-14EB-3A49-B9C8-211306B52DFE}"/>
               </a:ext>
             </a:extLst>
           </p:cNvPr>
@@ -3204,10 +3209,10 @@
       </p:grpSpPr>
       <p:pic>
         <p:nvPicPr>
-          <p:cNvPr id="3" name="Immagine 2">
+          <p:cNvPr id="4" name="Immagine 3">
             <a:extLst>
               <a:ext uri="{FF2B5EF4-FFF2-40B4-BE49-F238E27FC236}">
-                <a16:creationId xmlns:a16="http://schemas.microsoft.com/office/drawing/2014/main" id="{42367925-E92C-5E40-B4C3-E81CBD9F78AB}"/>
+                <a16:creationId xmlns:a16="http://schemas.microsoft.com/office/drawing/2014/main" id="{D03033D6-AD46-6E4D-A6E4-E523BF8D5A63}"/>
               </a:ext>
             </a:extLst>
           </p:cNvPr>
